--- a/ppt 16-9/0286.你存何心.pptx
+++ b/ppt 16-9/0286.你存何心.pptx
@@ -5,7 +5,7 @@
     <p:sldMasterId id="2147483648" r:id="rId1"/>
   </p:sldMasterIdLst>
   <p:sldIdLst>
-    <p:sldId id="3154" r:id="rId2"/>
+    <p:sldId id="3155" r:id="rId2"/>
   </p:sldIdLst>
   <p:sldSz cx="12192000" cy="6858000"/>
   <p:notesSz cx="6858000" cy="9144000"/>
@@ -129,7 +129,7 @@
           <p:cNvPr id="2" name="标题 1">
             <a:extLst>
               <a:ext uri="{FF2B5EF4-FFF2-40B4-BE49-F238E27FC236}">
-                <a16:creationId xmlns:a16="http://schemas.microsoft.com/office/drawing/2014/main" id="{B0A72B3D-52F2-390C-A0C2-36B815B25FBC}"/>
+                <a16:creationId xmlns:a16="http://schemas.microsoft.com/office/drawing/2014/main" id="{C514ABA7-2189-EF79-D4E5-CEFFF91A8A2E}"/>
               </a:ext>
             </a:extLst>
           </p:cNvPr>
@@ -166,7 +166,7 @@
           <p:cNvPr id="3" name="副标题 2">
             <a:extLst>
               <a:ext uri="{FF2B5EF4-FFF2-40B4-BE49-F238E27FC236}">
-                <a16:creationId xmlns:a16="http://schemas.microsoft.com/office/drawing/2014/main" id="{7D04D283-30CC-1491-6FAF-0C1E282A4234}"/>
+                <a16:creationId xmlns:a16="http://schemas.microsoft.com/office/drawing/2014/main" id="{416C7EBB-46AC-7108-F5E0-C0FD932C093B}"/>
               </a:ext>
             </a:extLst>
           </p:cNvPr>
@@ -236,7 +236,7 @@
           <p:cNvPr id="4" name="日期占位符 3">
             <a:extLst>
               <a:ext uri="{FF2B5EF4-FFF2-40B4-BE49-F238E27FC236}">
-                <a16:creationId xmlns:a16="http://schemas.microsoft.com/office/drawing/2014/main" id="{7DEA8788-FDB9-B6F5-3127-8BFADFA5CA15}"/>
+                <a16:creationId xmlns:a16="http://schemas.microsoft.com/office/drawing/2014/main" id="{AD8B131B-2CB3-3E52-6710-09D808E177C0}"/>
               </a:ext>
             </a:extLst>
           </p:cNvPr>
@@ -252,7 +252,7 @@
           <a:bodyPr/>
           <a:lstStyle/>
           <a:p>
-            <a:fld id="{B04FE94C-4230-49D5-8C72-F5A3FC3483B6}" type="datetimeFigureOut">
+            <a:fld id="{5C06891D-8BFE-4FCF-88E6-85BF1C5FDB41}" type="datetimeFigureOut">
               <a:rPr lang="zh-CN" altLang="en-US" smtClean="0"/>
               <a:t>2024/3/10</a:t>
             </a:fld>
@@ -265,7 +265,7 @@
           <p:cNvPr id="5" name="页脚占位符 4">
             <a:extLst>
               <a:ext uri="{FF2B5EF4-FFF2-40B4-BE49-F238E27FC236}">
-                <a16:creationId xmlns:a16="http://schemas.microsoft.com/office/drawing/2014/main" id="{63EB2170-9AB6-802E-EEB7-B2D19A22075E}"/>
+                <a16:creationId xmlns:a16="http://schemas.microsoft.com/office/drawing/2014/main" id="{463A8CCC-6653-2CEC-C36A-48EFB81688E7}"/>
               </a:ext>
             </a:extLst>
           </p:cNvPr>
@@ -290,7 +290,7 @@
           <p:cNvPr id="6" name="灯片编号占位符 5">
             <a:extLst>
               <a:ext uri="{FF2B5EF4-FFF2-40B4-BE49-F238E27FC236}">
-                <a16:creationId xmlns:a16="http://schemas.microsoft.com/office/drawing/2014/main" id="{438321AB-5ADA-2A06-6E9D-E072BE206A73}"/>
+                <a16:creationId xmlns:a16="http://schemas.microsoft.com/office/drawing/2014/main" id="{6EA9B25C-60FA-8EA6-73A6-6C9B2B40590C}"/>
               </a:ext>
             </a:extLst>
           </p:cNvPr>
@@ -306,7 +306,7 @@
           <a:bodyPr/>
           <a:lstStyle/>
           <a:p>
-            <a:fld id="{D0911B2B-A12F-4CCE-9CF1-704CC629F0B5}" type="slidenum">
+            <a:fld id="{CFB64CA7-903E-468F-A27F-4C14C486A635}" type="slidenum">
               <a:rPr lang="zh-CN" altLang="en-US" smtClean="0"/>
               <a:t>‹#›</a:t>
             </a:fld>
@@ -317,7 +317,7 @@
     </p:spTree>
     <p:extLst>
       <p:ext uri="{BB962C8B-B14F-4D97-AF65-F5344CB8AC3E}">
-        <p14:creationId xmlns:p14="http://schemas.microsoft.com/office/powerpoint/2010/main" val="4156838392"/>
+        <p14:creationId xmlns:p14="http://schemas.microsoft.com/office/powerpoint/2010/main" val="2875108539"/>
       </p:ext>
     </p:extLst>
   </p:cSld>
@@ -349,7 +349,7 @@
           <p:cNvPr id="2" name="标题 1">
             <a:extLst>
               <a:ext uri="{FF2B5EF4-FFF2-40B4-BE49-F238E27FC236}">
-                <a16:creationId xmlns:a16="http://schemas.microsoft.com/office/drawing/2014/main" id="{18055C5B-0A59-18F1-127B-810DAC08185D}"/>
+                <a16:creationId xmlns:a16="http://schemas.microsoft.com/office/drawing/2014/main" id="{52903E0A-7B60-CE20-121F-063F85C7876C}"/>
               </a:ext>
             </a:extLst>
           </p:cNvPr>
@@ -377,7 +377,7 @@
           <p:cNvPr id="3" name="竖排文字占位符 2">
             <a:extLst>
               <a:ext uri="{FF2B5EF4-FFF2-40B4-BE49-F238E27FC236}">
-                <a16:creationId xmlns:a16="http://schemas.microsoft.com/office/drawing/2014/main" id="{7DD8E11C-C907-8529-063F-FE010D97195C}"/>
+                <a16:creationId xmlns:a16="http://schemas.microsoft.com/office/drawing/2014/main" id="{D222B272-FF91-BCA6-CFE5-BEB3A7C65529}"/>
               </a:ext>
             </a:extLst>
           </p:cNvPr>
@@ -434,7 +434,7 @@
           <p:cNvPr id="4" name="日期占位符 3">
             <a:extLst>
               <a:ext uri="{FF2B5EF4-FFF2-40B4-BE49-F238E27FC236}">
-                <a16:creationId xmlns:a16="http://schemas.microsoft.com/office/drawing/2014/main" id="{92E2F89F-9465-2382-94AA-C840E0F0B8F1}"/>
+                <a16:creationId xmlns:a16="http://schemas.microsoft.com/office/drawing/2014/main" id="{73BA3CF3-FD0C-B1FC-15E7-C8AB1522DE38}"/>
               </a:ext>
             </a:extLst>
           </p:cNvPr>
@@ -450,7 +450,7 @@
           <a:bodyPr/>
           <a:lstStyle/>
           <a:p>
-            <a:fld id="{B04FE94C-4230-49D5-8C72-F5A3FC3483B6}" type="datetimeFigureOut">
+            <a:fld id="{5C06891D-8BFE-4FCF-88E6-85BF1C5FDB41}" type="datetimeFigureOut">
               <a:rPr lang="zh-CN" altLang="en-US" smtClean="0"/>
               <a:t>2024/3/10</a:t>
             </a:fld>
@@ -463,7 +463,7 @@
           <p:cNvPr id="5" name="页脚占位符 4">
             <a:extLst>
               <a:ext uri="{FF2B5EF4-FFF2-40B4-BE49-F238E27FC236}">
-                <a16:creationId xmlns:a16="http://schemas.microsoft.com/office/drawing/2014/main" id="{CAD72B4B-5F25-FAEE-CEF4-F8F1FF70BE86}"/>
+                <a16:creationId xmlns:a16="http://schemas.microsoft.com/office/drawing/2014/main" id="{1145F355-2F14-1B29-FEA8-ABBA854FCFCB}"/>
               </a:ext>
             </a:extLst>
           </p:cNvPr>
@@ -488,7 +488,7 @@
           <p:cNvPr id="6" name="灯片编号占位符 5">
             <a:extLst>
               <a:ext uri="{FF2B5EF4-FFF2-40B4-BE49-F238E27FC236}">
-                <a16:creationId xmlns:a16="http://schemas.microsoft.com/office/drawing/2014/main" id="{A9D3D1D9-9473-AF77-0D2A-40649C06A492}"/>
+                <a16:creationId xmlns:a16="http://schemas.microsoft.com/office/drawing/2014/main" id="{9ACA576D-58D6-398E-F298-81AD988692AD}"/>
               </a:ext>
             </a:extLst>
           </p:cNvPr>
@@ -504,7 +504,7 @@
           <a:bodyPr/>
           <a:lstStyle/>
           <a:p>
-            <a:fld id="{D0911B2B-A12F-4CCE-9CF1-704CC629F0B5}" type="slidenum">
+            <a:fld id="{CFB64CA7-903E-468F-A27F-4C14C486A635}" type="slidenum">
               <a:rPr lang="zh-CN" altLang="en-US" smtClean="0"/>
               <a:t>‹#›</a:t>
             </a:fld>
@@ -515,7 +515,7 @@
     </p:spTree>
     <p:extLst>
       <p:ext uri="{BB962C8B-B14F-4D97-AF65-F5344CB8AC3E}">
-        <p14:creationId xmlns:p14="http://schemas.microsoft.com/office/powerpoint/2010/main" val="3869044619"/>
+        <p14:creationId xmlns:p14="http://schemas.microsoft.com/office/powerpoint/2010/main" val="88379502"/>
       </p:ext>
     </p:extLst>
   </p:cSld>
@@ -547,7 +547,7 @@
           <p:cNvPr id="2" name="竖排标题 1">
             <a:extLst>
               <a:ext uri="{FF2B5EF4-FFF2-40B4-BE49-F238E27FC236}">
-                <a16:creationId xmlns:a16="http://schemas.microsoft.com/office/drawing/2014/main" id="{43C7DE30-DE97-64F7-8DE4-EDA95A1C0454}"/>
+                <a16:creationId xmlns:a16="http://schemas.microsoft.com/office/drawing/2014/main" id="{4153A3F8-7624-706C-22B1-D44C5237638D}"/>
               </a:ext>
             </a:extLst>
           </p:cNvPr>
@@ -580,7 +580,7 @@
           <p:cNvPr id="3" name="竖排文字占位符 2">
             <a:extLst>
               <a:ext uri="{FF2B5EF4-FFF2-40B4-BE49-F238E27FC236}">
-                <a16:creationId xmlns:a16="http://schemas.microsoft.com/office/drawing/2014/main" id="{E9693BDA-F5A9-2106-3921-C7FC934DF27E}"/>
+                <a16:creationId xmlns:a16="http://schemas.microsoft.com/office/drawing/2014/main" id="{482E0EC5-CF84-A2B6-26B7-E3C0896F1385}"/>
               </a:ext>
             </a:extLst>
           </p:cNvPr>
@@ -642,7 +642,7 @@
           <p:cNvPr id="4" name="日期占位符 3">
             <a:extLst>
               <a:ext uri="{FF2B5EF4-FFF2-40B4-BE49-F238E27FC236}">
-                <a16:creationId xmlns:a16="http://schemas.microsoft.com/office/drawing/2014/main" id="{58804C26-5FEC-AEB8-73DC-D29B085E700C}"/>
+                <a16:creationId xmlns:a16="http://schemas.microsoft.com/office/drawing/2014/main" id="{AE5B91D6-EF51-AF6E-DFBE-D0C812C89115}"/>
               </a:ext>
             </a:extLst>
           </p:cNvPr>
@@ -658,7 +658,7 @@
           <a:bodyPr/>
           <a:lstStyle/>
           <a:p>
-            <a:fld id="{B04FE94C-4230-49D5-8C72-F5A3FC3483B6}" type="datetimeFigureOut">
+            <a:fld id="{5C06891D-8BFE-4FCF-88E6-85BF1C5FDB41}" type="datetimeFigureOut">
               <a:rPr lang="zh-CN" altLang="en-US" smtClean="0"/>
               <a:t>2024/3/10</a:t>
             </a:fld>
@@ -671,7 +671,7 @@
           <p:cNvPr id="5" name="页脚占位符 4">
             <a:extLst>
               <a:ext uri="{FF2B5EF4-FFF2-40B4-BE49-F238E27FC236}">
-                <a16:creationId xmlns:a16="http://schemas.microsoft.com/office/drawing/2014/main" id="{61F068BA-BBEB-C0BE-CB9C-08502123D240}"/>
+                <a16:creationId xmlns:a16="http://schemas.microsoft.com/office/drawing/2014/main" id="{86B04F40-BF14-B682-FA36-638D32F76F39}"/>
               </a:ext>
             </a:extLst>
           </p:cNvPr>
@@ -696,7 +696,7 @@
           <p:cNvPr id="6" name="灯片编号占位符 5">
             <a:extLst>
               <a:ext uri="{FF2B5EF4-FFF2-40B4-BE49-F238E27FC236}">
-                <a16:creationId xmlns:a16="http://schemas.microsoft.com/office/drawing/2014/main" id="{C5DEB5C9-FACA-766E-B2B1-9FDD0534948E}"/>
+                <a16:creationId xmlns:a16="http://schemas.microsoft.com/office/drawing/2014/main" id="{FFDF87EC-5084-F03A-FE3B-78B075765A4A}"/>
               </a:ext>
             </a:extLst>
           </p:cNvPr>
@@ -712,7 +712,7 @@
           <a:bodyPr/>
           <a:lstStyle/>
           <a:p>
-            <a:fld id="{D0911B2B-A12F-4CCE-9CF1-704CC629F0B5}" type="slidenum">
+            <a:fld id="{CFB64CA7-903E-468F-A27F-4C14C486A635}" type="slidenum">
               <a:rPr lang="zh-CN" altLang="en-US" smtClean="0"/>
               <a:t>‹#›</a:t>
             </a:fld>
@@ -723,7 +723,7 @@
     </p:spTree>
     <p:extLst>
       <p:ext uri="{BB962C8B-B14F-4D97-AF65-F5344CB8AC3E}">
-        <p14:creationId xmlns:p14="http://schemas.microsoft.com/office/powerpoint/2010/main" val="1404366850"/>
+        <p14:creationId xmlns:p14="http://schemas.microsoft.com/office/powerpoint/2010/main" val="1275652629"/>
       </p:ext>
     </p:extLst>
   </p:cSld>
@@ -755,7 +755,7 @@
           <p:cNvPr id="2" name="标题 1">
             <a:extLst>
               <a:ext uri="{FF2B5EF4-FFF2-40B4-BE49-F238E27FC236}">
-                <a16:creationId xmlns:a16="http://schemas.microsoft.com/office/drawing/2014/main" id="{EDD34CC1-81F4-C6D0-5DAA-9629BAB0371B}"/>
+                <a16:creationId xmlns:a16="http://schemas.microsoft.com/office/drawing/2014/main" id="{175FAFA6-9EFC-B555-DBE6-789C29C5E947}"/>
               </a:ext>
             </a:extLst>
           </p:cNvPr>
@@ -783,7 +783,7 @@
           <p:cNvPr id="3" name="内容占位符 2">
             <a:extLst>
               <a:ext uri="{FF2B5EF4-FFF2-40B4-BE49-F238E27FC236}">
-                <a16:creationId xmlns:a16="http://schemas.microsoft.com/office/drawing/2014/main" id="{4681552F-1590-1004-C6A9-77208EBE48D3}"/>
+                <a16:creationId xmlns:a16="http://schemas.microsoft.com/office/drawing/2014/main" id="{5AE0E444-F4FE-B058-DE4C-7AA0C945F20D}"/>
               </a:ext>
             </a:extLst>
           </p:cNvPr>
@@ -840,7 +840,7 @@
           <p:cNvPr id="4" name="日期占位符 3">
             <a:extLst>
               <a:ext uri="{FF2B5EF4-FFF2-40B4-BE49-F238E27FC236}">
-                <a16:creationId xmlns:a16="http://schemas.microsoft.com/office/drawing/2014/main" id="{ACF5643A-3F4C-BA38-70D9-359AB066046F}"/>
+                <a16:creationId xmlns:a16="http://schemas.microsoft.com/office/drawing/2014/main" id="{0EE95AA9-10ED-D169-BC57-6BF882632F07}"/>
               </a:ext>
             </a:extLst>
           </p:cNvPr>
@@ -856,7 +856,7 @@
           <a:bodyPr/>
           <a:lstStyle/>
           <a:p>
-            <a:fld id="{B04FE94C-4230-49D5-8C72-F5A3FC3483B6}" type="datetimeFigureOut">
+            <a:fld id="{5C06891D-8BFE-4FCF-88E6-85BF1C5FDB41}" type="datetimeFigureOut">
               <a:rPr lang="zh-CN" altLang="en-US" smtClean="0"/>
               <a:t>2024/3/10</a:t>
             </a:fld>
@@ -869,7 +869,7 @@
           <p:cNvPr id="5" name="页脚占位符 4">
             <a:extLst>
               <a:ext uri="{FF2B5EF4-FFF2-40B4-BE49-F238E27FC236}">
-                <a16:creationId xmlns:a16="http://schemas.microsoft.com/office/drawing/2014/main" id="{6716B8C9-5F58-6327-370C-23715AD28B04}"/>
+                <a16:creationId xmlns:a16="http://schemas.microsoft.com/office/drawing/2014/main" id="{0E923DEA-8944-2404-0C5E-D4DDA8DEF267}"/>
               </a:ext>
             </a:extLst>
           </p:cNvPr>
@@ -894,7 +894,7 @@
           <p:cNvPr id="6" name="灯片编号占位符 5">
             <a:extLst>
               <a:ext uri="{FF2B5EF4-FFF2-40B4-BE49-F238E27FC236}">
-                <a16:creationId xmlns:a16="http://schemas.microsoft.com/office/drawing/2014/main" id="{3AB9E473-C21B-ED71-EBB7-26E0FF248317}"/>
+                <a16:creationId xmlns:a16="http://schemas.microsoft.com/office/drawing/2014/main" id="{C52CCA55-42E7-CB70-9255-E4FAD6E74AC0}"/>
               </a:ext>
             </a:extLst>
           </p:cNvPr>
@@ -910,7 +910,7 @@
           <a:bodyPr/>
           <a:lstStyle/>
           <a:p>
-            <a:fld id="{D0911B2B-A12F-4CCE-9CF1-704CC629F0B5}" type="slidenum">
+            <a:fld id="{CFB64CA7-903E-468F-A27F-4C14C486A635}" type="slidenum">
               <a:rPr lang="zh-CN" altLang="en-US" smtClean="0"/>
               <a:t>‹#›</a:t>
             </a:fld>
@@ -921,7 +921,7 @@
     </p:spTree>
     <p:extLst>
       <p:ext uri="{BB962C8B-B14F-4D97-AF65-F5344CB8AC3E}">
-        <p14:creationId xmlns:p14="http://schemas.microsoft.com/office/powerpoint/2010/main" val="3549956449"/>
+        <p14:creationId xmlns:p14="http://schemas.microsoft.com/office/powerpoint/2010/main" val="1525540098"/>
       </p:ext>
     </p:extLst>
   </p:cSld>
@@ -953,7 +953,7 @@
           <p:cNvPr id="2" name="标题 1">
             <a:extLst>
               <a:ext uri="{FF2B5EF4-FFF2-40B4-BE49-F238E27FC236}">
-                <a16:creationId xmlns:a16="http://schemas.microsoft.com/office/drawing/2014/main" id="{9D055391-7279-B5E0-9065-611715791DED}"/>
+                <a16:creationId xmlns:a16="http://schemas.microsoft.com/office/drawing/2014/main" id="{B828FD79-6AA7-3702-947E-07EB2D1F12DF}"/>
               </a:ext>
             </a:extLst>
           </p:cNvPr>
@@ -990,7 +990,7 @@
           <p:cNvPr id="3" name="文本占位符 2">
             <a:extLst>
               <a:ext uri="{FF2B5EF4-FFF2-40B4-BE49-F238E27FC236}">
-                <a16:creationId xmlns:a16="http://schemas.microsoft.com/office/drawing/2014/main" id="{774903F2-D8C7-FB33-5FD7-4E3F56C647FE}"/>
+                <a16:creationId xmlns:a16="http://schemas.microsoft.com/office/drawing/2014/main" id="{EC11D9D4-1B29-3D43-2A69-23F7F478F2DB}"/>
               </a:ext>
             </a:extLst>
           </p:cNvPr>
@@ -1115,7 +1115,7 @@
           <p:cNvPr id="4" name="日期占位符 3">
             <a:extLst>
               <a:ext uri="{FF2B5EF4-FFF2-40B4-BE49-F238E27FC236}">
-                <a16:creationId xmlns:a16="http://schemas.microsoft.com/office/drawing/2014/main" id="{6A18F085-A8E0-E891-9A56-D4F1CD75482C}"/>
+                <a16:creationId xmlns:a16="http://schemas.microsoft.com/office/drawing/2014/main" id="{F83863A2-B6BF-384C-C34C-19005D1D4429}"/>
               </a:ext>
             </a:extLst>
           </p:cNvPr>
@@ -1131,7 +1131,7 @@
           <a:bodyPr/>
           <a:lstStyle/>
           <a:p>
-            <a:fld id="{B04FE94C-4230-49D5-8C72-F5A3FC3483B6}" type="datetimeFigureOut">
+            <a:fld id="{5C06891D-8BFE-4FCF-88E6-85BF1C5FDB41}" type="datetimeFigureOut">
               <a:rPr lang="zh-CN" altLang="en-US" smtClean="0"/>
               <a:t>2024/3/10</a:t>
             </a:fld>
@@ -1144,7 +1144,7 @@
           <p:cNvPr id="5" name="页脚占位符 4">
             <a:extLst>
               <a:ext uri="{FF2B5EF4-FFF2-40B4-BE49-F238E27FC236}">
-                <a16:creationId xmlns:a16="http://schemas.microsoft.com/office/drawing/2014/main" id="{FD562290-C7EA-FFD9-9398-8A61485A5F96}"/>
+                <a16:creationId xmlns:a16="http://schemas.microsoft.com/office/drawing/2014/main" id="{FF31CD23-9207-0487-E100-5F052DF08790}"/>
               </a:ext>
             </a:extLst>
           </p:cNvPr>
@@ -1169,7 +1169,7 @@
           <p:cNvPr id="6" name="灯片编号占位符 5">
             <a:extLst>
               <a:ext uri="{FF2B5EF4-FFF2-40B4-BE49-F238E27FC236}">
-                <a16:creationId xmlns:a16="http://schemas.microsoft.com/office/drawing/2014/main" id="{A0801018-E89D-1E9D-42E9-E47A48FB8BD4}"/>
+                <a16:creationId xmlns:a16="http://schemas.microsoft.com/office/drawing/2014/main" id="{4D03C9D3-DF99-ED33-C9E5-A3675AFFE6DD}"/>
               </a:ext>
             </a:extLst>
           </p:cNvPr>
@@ -1185,7 +1185,7 @@
           <a:bodyPr/>
           <a:lstStyle/>
           <a:p>
-            <a:fld id="{D0911B2B-A12F-4CCE-9CF1-704CC629F0B5}" type="slidenum">
+            <a:fld id="{CFB64CA7-903E-468F-A27F-4C14C486A635}" type="slidenum">
               <a:rPr lang="zh-CN" altLang="en-US" smtClean="0"/>
               <a:t>‹#›</a:t>
             </a:fld>
@@ -1196,7 +1196,7 @@
     </p:spTree>
     <p:extLst>
       <p:ext uri="{BB962C8B-B14F-4D97-AF65-F5344CB8AC3E}">
-        <p14:creationId xmlns:p14="http://schemas.microsoft.com/office/powerpoint/2010/main" val="2452810557"/>
+        <p14:creationId xmlns:p14="http://schemas.microsoft.com/office/powerpoint/2010/main" val="3597299696"/>
       </p:ext>
     </p:extLst>
   </p:cSld>
@@ -1228,7 +1228,7 @@
           <p:cNvPr id="2" name="标题 1">
             <a:extLst>
               <a:ext uri="{FF2B5EF4-FFF2-40B4-BE49-F238E27FC236}">
-                <a16:creationId xmlns:a16="http://schemas.microsoft.com/office/drawing/2014/main" id="{86E2BCF8-9F3C-C899-205A-C166D342F6E5}"/>
+                <a16:creationId xmlns:a16="http://schemas.microsoft.com/office/drawing/2014/main" id="{CA99859E-CED7-A41D-9905-4C74FA45A46A}"/>
               </a:ext>
             </a:extLst>
           </p:cNvPr>
@@ -1256,7 +1256,7 @@
           <p:cNvPr id="3" name="内容占位符 2">
             <a:extLst>
               <a:ext uri="{FF2B5EF4-FFF2-40B4-BE49-F238E27FC236}">
-                <a16:creationId xmlns:a16="http://schemas.microsoft.com/office/drawing/2014/main" id="{696151CF-12C3-7EBA-6DAB-9F888137F263}"/>
+                <a16:creationId xmlns:a16="http://schemas.microsoft.com/office/drawing/2014/main" id="{60D747C7-5B65-78D1-DFF5-0FCB14213210}"/>
               </a:ext>
             </a:extLst>
           </p:cNvPr>
@@ -1318,7 +1318,7 @@
           <p:cNvPr id="4" name="内容占位符 3">
             <a:extLst>
               <a:ext uri="{FF2B5EF4-FFF2-40B4-BE49-F238E27FC236}">
-                <a16:creationId xmlns:a16="http://schemas.microsoft.com/office/drawing/2014/main" id="{9A405271-5240-C092-51B6-283DCFB023E7}"/>
+                <a16:creationId xmlns:a16="http://schemas.microsoft.com/office/drawing/2014/main" id="{12224856-3394-B75E-1E3E-5CF6D2D073D7}"/>
               </a:ext>
             </a:extLst>
           </p:cNvPr>
@@ -1380,7 +1380,7 @@
           <p:cNvPr id="5" name="日期占位符 4">
             <a:extLst>
               <a:ext uri="{FF2B5EF4-FFF2-40B4-BE49-F238E27FC236}">
-                <a16:creationId xmlns:a16="http://schemas.microsoft.com/office/drawing/2014/main" id="{33C411A1-BB71-CABA-A80E-232395346FB1}"/>
+                <a16:creationId xmlns:a16="http://schemas.microsoft.com/office/drawing/2014/main" id="{0CAA610D-3BAC-1069-E751-7B9FD09D1CA0}"/>
               </a:ext>
             </a:extLst>
           </p:cNvPr>
@@ -1396,7 +1396,7 @@
           <a:bodyPr/>
           <a:lstStyle/>
           <a:p>
-            <a:fld id="{B04FE94C-4230-49D5-8C72-F5A3FC3483B6}" type="datetimeFigureOut">
+            <a:fld id="{5C06891D-8BFE-4FCF-88E6-85BF1C5FDB41}" type="datetimeFigureOut">
               <a:rPr lang="zh-CN" altLang="en-US" smtClean="0"/>
               <a:t>2024/3/10</a:t>
             </a:fld>
@@ -1409,7 +1409,7 @@
           <p:cNvPr id="6" name="页脚占位符 5">
             <a:extLst>
               <a:ext uri="{FF2B5EF4-FFF2-40B4-BE49-F238E27FC236}">
-                <a16:creationId xmlns:a16="http://schemas.microsoft.com/office/drawing/2014/main" id="{559B1594-274A-942C-990D-FF9BAF2447B8}"/>
+                <a16:creationId xmlns:a16="http://schemas.microsoft.com/office/drawing/2014/main" id="{4FF57B07-6ECE-4826-C14E-8F2F37A23AB2}"/>
               </a:ext>
             </a:extLst>
           </p:cNvPr>
@@ -1434,7 +1434,7 @@
           <p:cNvPr id="7" name="灯片编号占位符 6">
             <a:extLst>
               <a:ext uri="{FF2B5EF4-FFF2-40B4-BE49-F238E27FC236}">
-                <a16:creationId xmlns:a16="http://schemas.microsoft.com/office/drawing/2014/main" id="{C008B8CE-85DC-DDF2-F992-CBC5824C6AFF}"/>
+                <a16:creationId xmlns:a16="http://schemas.microsoft.com/office/drawing/2014/main" id="{C4323D4B-3127-0ECD-E9EE-7ED10C1AB225}"/>
               </a:ext>
             </a:extLst>
           </p:cNvPr>
@@ -1450,7 +1450,7 @@
           <a:bodyPr/>
           <a:lstStyle/>
           <a:p>
-            <a:fld id="{D0911B2B-A12F-4CCE-9CF1-704CC629F0B5}" type="slidenum">
+            <a:fld id="{CFB64CA7-903E-468F-A27F-4C14C486A635}" type="slidenum">
               <a:rPr lang="zh-CN" altLang="en-US" smtClean="0"/>
               <a:t>‹#›</a:t>
             </a:fld>
@@ -1461,7 +1461,7 @@
     </p:spTree>
     <p:extLst>
       <p:ext uri="{BB962C8B-B14F-4D97-AF65-F5344CB8AC3E}">
-        <p14:creationId xmlns:p14="http://schemas.microsoft.com/office/powerpoint/2010/main" val="1234718593"/>
+        <p14:creationId xmlns:p14="http://schemas.microsoft.com/office/powerpoint/2010/main" val="1128069052"/>
       </p:ext>
     </p:extLst>
   </p:cSld>
@@ -1493,7 +1493,7 @@
           <p:cNvPr id="2" name="标题 1">
             <a:extLst>
               <a:ext uri="{FF2B5EF4-FFF2-40B4-BE49-F238E27FC236}">
-                <a16:creationId xmlns:a16="http://schemas.microsoft.com/office/drawing/2014/main" id="{D91EC296-F2C0-1567-56BD-C8B1CC769D40}"/>
+                <a16:creationId xmlns:a16="http://schemas.microsoft.com/office/drawing/2014/main" id="{F283672D-631F-A9BD-F436-1C558701A179}"/>
               </a:ext>
             </a:extLst>
           </p:cNvPr>
@@ -1526,7 +1526,7 @@
           <p:cNvPr id="3" name="文本占位符 2">
             <a:extLst>
               <a:ext uri="{FF2B5EF4-FFF2-40B4-BE49-F238E27FC236}">
-                <a16:creationId xmlns:a16="http://schemas.microsoft.com/office/drawing/2014/main" id="{6E7E3E87-08D2-7418-DD02-1993F3B39D9A}"/>
+                <a16:creationId xmlns:a16="http://schemas.microsoft.com/office/drawing/2014/main" id="{2990CBA3-9414-803B-6446-6084A5050A76}"/>
               </a:ext>
             </a:extLst>
           </p:cNvPr>
@@ -1597,7 +1597,7 @@
           <p:cNvPr id="4" name="内容占位符 3">
             <a:extLst>
               <a:ext uri="{FF2B5EF4-FFF2-40B4-BE49-F238E27FC236}">
-                <a16:creationId xmlns:a16="http://schemas.microsoft.com/office/drawing/2014/main" id="{360053A8-265F-CDB0-4F63-B0C72B698A5C}"/>
+                <a16:creationId xmlns:a16="http://schemas.microsoft.com/office/drawing/2014/main" id="{AC23ABEB-EC55-AB51-B44C-3F7C140493BF}"/>
               </a:ext>
             </a:extLst>
           </p:cNvPr>
@@ -1659,7 +1659,7 @@
           <p:cNvPr id="5" name="文本占位符 4">
             <a:extLst>
               <a:ext uri="{FF2B5EF4-FFF2-40B4-BE49-F238E27FC236}">
-                <a16:creationId xmlns:a16="http://schemas.microsoft.com/office/drawing/2014/main" id="{ACEC9519-EEB9-E8C9-636B-177CCBDEFDC3}"/>
+                <a16:creationId xmlns:a16="http://schemas.microsoft.com/office/drawing/2014/main" id="{47C38680-D059-7BEB-E973-058517F58523}"/>
               </a:ext>
             </a:extLst>
           </p:cNvPr>
@@ -1730,7 +1730,7 @@
           <p:cNvPr id="6" name="内容占位符 5">
             <a:extLst>
               <a:ext uri="{FF2B5EF4-FFF2-40B4-BE49-F238E27FC236}">
-                <a16:creationId xmlns:a16="http://schemas.microsoft.com/office/drawing/2014/main" id="{855E4B27-BDED-F26E-51D6-3381B4A8849A}"/>
+                <a16:creationId xmlns:a16="http://schemas.microsoft.com/office/drawing/2014/main" id="{BE0858F6-9269-8FCB-FC9B-399BBF2D2103}"/>
               </a:ext>
             </a:extLst>
           </p:cNvPr>
@@ -1792,7 +1792,7 @@
           <p:cNvPr id="7" name="日期占位符 6">
             <a:extLst>
               <a:ext uri="{FF2B5EF4-FFF2-40B4-BE49-F238E27FC236}">
-                <a16:creationId xmlns:a16="http://schemas.microsoft.com/office/drawing/2014/main" id="{5C332151-B05C-EA90-C8C5-EF3153AE59DC}"/>
+                <a16:creationId xmlns:a16="http://schemas.microsoft.com/office/drawing/2014/main" id="{7788BCD9-0611-1D60-A3F8-45FCBBF40DC2}"/>
               </a:ext>
             </a:extLst>
           </p:cNvPr>
@@ -1808,7 +1808,7 @@
           <a:bodyPr/>
           <a:lstStyle/>
           <a:p>
-            <a:fld id="{B04FE94C-4230-49D5-8C72-F5A3FC3483B6}" type="datetimeFigureOut">
+            <a:fld id="{5C06891D-8BFE-4FCF-88E6-85BF1C5FDB41}" type="datetimeFigureOut">
               <a:rPr lang="zh-CN" altLang="en-US" smtClean="0"/>
               <a:t>2024/3/10</a:t>
             </a:fld>
@@ -1821,7 +1821,7 @@
           <p:cNvPr id="8" name="页脚占位符 7">
             <a:extLst>
               <a:ext uri="{FF2B5EF4-FFF2-40B4-BE49-F238E27FC236}">
-                <a16:creationId xmlns:a16="http://schemas.microsoft.com/office/drawing/2014/main" id="{D2EF3B47-0F53-43BB-4BA5-813811B7F9C2}"/>
+                <a16:creationId xmlns:a16="http://schemas.microsoft.com/office/drawing/2014/main" id="{037B7C75-7955-DE2D-8AAF-691DBC1CE187}"/>
               </a:ext>
             </a:extLst>
           </p:cNvPr>
@@ -1846,7 +1846,7 @@
           <p:cNvPr id="9" name="灯片编号占位符 8">
             <a:extLst>
               <a:ext uri="{FF2B5EF4-FFF2-40B4-BE49-F238E27FC236}">
-                <a16:creationId xmlns:a16="http://schemas.microsoft.com/office/drawing/2014/main" id="{478AE74F-C67E-F04B-DE9E-6B8D8644F853}"/>
+                <a16:creationId xmlns:a16="http://schemas.microsoft.com/office/drawing/2014/main" id="{E402D01A-4203-D1B2-A4E2-89B24E8CBDC0}"/>
               </a:ext>
             </a:extLst>
           </p:cNvPr>
@@ -1862,7 +1862,7 @@
           <a:bodyPr/>
           <a:lstStyle/>
           <a:p>
-            <a:fld id="{D0911B2B-A12F-4CCE-9CF1-704CC629F0B5}" type="slidenum">
+            <a:fld id="{CFB64CA7-903E-468F-A27F-4C14C486A635}" type="slidenum">
               <a:rPr lang="zh-CN" altLang="en-US" smtClean="0"/>
               <a:t>‹#›</a:t>
             </a:fld>
@@ -1873,7 +1873,7 @@
     </p:spTree>
     <p:extLst>
       <p:ext uri="{BB962C8B-B14F-4D97-AF65-F5344CB8AC3E}">
-        <p14:creationId xmlns:p14="http://schemas.microsoft.com/office/powerpoint/2010/main" val="1571990960"/>
+        <p14:creationId xmlns:p14="http://schemas.microsoft.com/office/powerpoint/2010/main" val="3066362882"/>
       </p:ext>
     </p:extLst>
   </p:cSld>
@@ -1905,7 +1905,7 @@
           <p:cNvPr id="2" name="标题 1">
             <a:extLst>
               <a:ext uri="{FF2B5EF4-FFF2-40B4-BE49-F238E27FC236}">
-                <a16:creationId xmlns:a16="http://schemas.microsoft.com/office/drawing/2014/main" id="{7FDFFCF5-D39C-F90C-A07B-BD6F36816637}"/>
+                <a16:creationId xmlns:a16="http://schemas.microsoft.com/office/drawing/2014/main" id="{71316507-98BE-D454-3DFC-CDC733A257A9}"/>
               </a:ext>
             </a:extLst>
           </p:cNvPr>
@@ -1933,7 +1933,7 @@
           <p:cNvPr id="3" name="日期占位符 2">
             <a:extLst>
               <a:ext uri="{FF2B5EF4-FFF2-40B4-BE49-F238E27FC236}">
-                <a16:creationId xmlns:a16="http://schemas.microsoft.com/office/drawing/2014/main" id="{726AC94B-6DB4-A8F9-D5B6-A69CDD0F100F}"/>
+                <a16:creationId xmlns:a16="http://schemas.microsoft.com/office/drawing/2014/main" id="{787CDF28-B4FD-4D38-1A67-A40C0D44C186}"/>
               </a:ext>
             </a:extLst>
           </p:cNvPr>
@@ -1949,7 +1949,7 @@
           <a:bodyPr/>
           <a:lstStyle/>
           <a:p>
-            <a:fld id="{B04FE94C-4230-49D5-8C72-F5A3FC3483B6}" type="datetimeFigureOut">
+            <a:fld id="{5C06891D-8BFE-4FCF-88E6-85BF1C5FDB41}" type="datetimeFigureOut">
               <a:rPr lang="zh-CN" altLang="en-US" smtClean="0"/>
               <a:t>2024/3/10</a:t>
             </a:fld>
@@ -1962,7 +1962,7 @@
           <p:cNvPr id="4" name="页脚占位符 3">
             <a:extLst>
               <a:ext uri="{FF2B5EF4-FFF2-40B4-BE49-F238E27FC236}">
-                <a16:creationId xmlns:a16="http://schemas.microsoft.com/office/drawing/2014/main" id="{4F882BF5-DD29-5F13-8CB5-7A346EE3E9A9}"/>
+                <a16:creationId xmlns:a16="http://schemas.microsoft.com/office/drawing/2014/main" id="{03272017-3912-9AF4-6E3C-D34987E60CE3}"/>
               </a:ext>
             </a:extLst>
           </p:cNvPr>
@@ -1987,7 +1987,7 @@
           <p:cNvPr id="5" name="灯片编号占位符 4">
             <a:extLst>
               <a:ext uri="{FF2B5EF4-FFF2-40B4-BE49-F238E27FC236}">
-                <a16:creationId xmlns:a16="http://schemas.microsoft.com/office/drawing/2014/main" id="{7A49DD4A-93FB-9DE8-B8A2-DE020329C0A3}"/>
+                <a16:creationId xmlns:a16="http://schemas.microsoft.com/office/drawing/2014/main" id="{8B7F1B5C-C670-0087-E531-46FAB26421A0}"/>
               </a:ext>
             </a:extLst>
           </p:cNvPr>
@@ -2003,7 +2003,7 @@
           <a:bodyPr/>
           <a:lstStyle/>
           <a:p>
-            <a:fld id="{D0911B2B-A12F-4CCE-9CF1-704CC629F0B5}" type="slidenum">
+            <a:fld id="{CFB64CA7-903E-468F-A27F-4C14C486A635}" type="slidenum">
               <a:rPr lang="zh-CN" altLang="en-US" smtClean="0"/>
               <a:t>‹#›</a:t>
             </a:fld>
@@ -2014,7 +2014,7 @@
     </p:spTree>
     <p:extLst>
       <p:ext uri="{BB962C8B-B14F-4D97-AF65-F5344CB8AC3E}">
-        <p14:creationId xmlns:p14="http://schemas.microsoft.com/office/powerpoint/2010/main" val="1388980303"/>
+        <p14:creationId xmlns:p14="http://schemas.microsoft.com/office/powerpoint/2010/main" val="3309698725"/>
       </p:ext>
     </p:extLst>
   </p:cSld>
@@ -2046,7 +2046,7 @@
           <p:cNvPr id="2" name="日期占位符 1">
             <a:extLst>
               <a:ext uri="{FF2B5EF4-FFF2-40B4-BE49-F238E27FC236}">
-                <a16:creationId xmlns:a16="http://schemas.microsoft.com/office/drawing/2014/main" id="{1F83DE37-6B41-8E00-FD5F-153918211033}"/>
+                <a16:creationId xmlns:a16="http://schemas.microsoft.com/office/drawing/2014/main" id="{00764998-38D9-9020-0287-9C0FD14B9BE3}"/>
               </a:ext>
             </a:extLst>
           </p:cNvPr>
@@ -2062,7 +2062,7 @@
           <a:bodyPr/>
           <a:lstStyle/>
           <a:p>
-            <a:fld id="{B04FE94C-4230-49D5-8C72-F5A3FC3483B6}" type="datetimeFigureOut">
+            <a:fld id="{5C06891D-8BFE-4FCF-88E6-85BF1C5FDB41}" type="datetimeFigureOut">
               <a:rPr lang="zh-CN" altLang="en-US" smtClean="0"/>
               <a:t>2024/3/10</a:t>
             </a:fld>
@@ -2075,7 +2075,7 @@
           <p:cNvPr id="3" name="页脚占位符 2">
             <a:extLst>
               <a:ext uri="{FF2B5EF4-FFF2-40B4-BE49-F238E27FC236}">
-                <a16:creationId xmlns:a16="http://schemas.microsoft.com/office/drawing/2014/main" id="{5967B0AD-2A62-7EC3-1F51-EE9B19CC03A2}"/>
+                <a16:creationId xmlns:a16="http://schemas.microsoft.com/office/drawing/2014/main" id="{0C01F852-1545-C9E0-4F5B-E9810176C8C1}"/>
               </a:ext>
             </a:extLst>
           </p:cNvPr>
@@ -2100,7 +2100,7 @@
           <p:cNvPr id="4" name="灯片编号占位符 3">
             <a:extLst>
               <a:ext uri="{FF2B5EF4-FFF2-40B4-BE49-F238E27FC236}">
-                <a16:creationId xmlns:a16="http://schemas.microsoft.com/office/drawing/2014/main" id="{94CFC23D-ACC5-0C10-3105-81F3427625D0}"/>
+                <a16:creationId xmlns:a16="http://schemas.microsoft.com/office/drawing/2014/main" id="{62BCBD0A-E23B-4482-E016-846B548B85DF}"/>
               </a:ext>
             </a:extLst>
           </p:cNvPr>
@@ -2116,7 +2116,7 @@
           <a:bodyPr/>
           <a:lstStyle/>
           <a:p>
-            <a:fld id="{D0911B2B-A12F-4CCE-9CF1-704CC629F0B5}" type="slidenum">
+            <a:fld id="{CFB64CA7-903E-468F-A27F-4C14C486A635}" type="slidenum">
               <a:rPr lang="zh-CN" altLang="en-US" smtClean="0"/>
               <a:t>‹#›</a:t>
             </a:fld>
@@ -2127,7 +2127,7 @@
     </p:spTree>
     <p:extLst>
       <p:ext uri="{BB962C8B-B14F-4D97-AF65-F5344CB8AC3E}">
-        <p14:creationId xmlns:p14="http://schemas.microsoft.com/office/powerpoint/2010/main" val="1346082113"/>
+        <p14:creationId xmlns:p14="http://schemas.microsoft.com/office/powerpoint/2010/main" val="2730676217"/>
       </p:ext>
     </p:extLst>
   </p:cSld>
@@ -2159,7 +2159,7 @@
           <p:cNvPr id="2" name="标题 1">
             <a:extLst>
               <a:ext uri="{FF2B5EF4-FFF2-40B4-BE49-F238E27FC236}">
-                <a16:creationId xmlns:a16="http://schemas.microsoft.com/office/drawing/2014/main" id="{A048DB6F-8B5E-956E-B148-98C03A645764}"/>
+                <a16:creationId xmlns:a16="http://schemas.microsoft.com/office/drawing/2014/main" id="{04D45CE7-4CF6-DD4D-C1BE-1FF87C130B85}"/>
               </a:ext>
             </a:extLst>
           </p:cNvPr>
@@ -2196,7 +2196,7 @@
           <p:cNvPr id="3" name="内容占位符 2">
             <a:extLst>
               <a:ext uri="{FF2B5EF4-FFF2-40B4-BE49-F238E27FC236}">
-                <a16:creationId xmlns:a16="http://schemas.microsoft.com/office/drawing/2014/main" id="{F2A0A5F1-E497-BD8A-289F-781D28711708}"/>
+                <a16:creationId xmlns:a16="http://schemas.microsoft.com/office/drawing/2014/main" id="{443376BD-FFC5-0AE7-FBAC-2432A665772D}"/>
               </a:ext>
             </a:extLst>
           </p:cNvPr>
@@ -2286,7 +2286,7 @@
           <p:cNvPr id="4" name="文本占位符 3">
             <a:extLst>
               <a:ext uri="{FF2B5EF4-FFF2-40B4-BE49-F238E27FC236}">
-                <a16:creationId xmlns:a16="http://schemas.microsoft.com/office/drawing/2014/main" id="{A6EC5D57-BF4B-B1E5-3BDF-06268782B126}"/>
+                <a16:creationId xmlns:a16="http://schemas.microsoft.com/office/drawing/2014/main" id="{A5F3A1EB-24D6-C9F5-3D0B-C2B776A3B7B6}"/>
               </a:ext>
             </a:extLst>
           </p:cNvPr>
@@ -2357,7 +2357,7 @@
           <p:cNvPr id="5" name="日期占位符 4">
             <a:extLst>
               <a:ext uri="{FF2B5EF4-FFF2-40B4-BE49-F238E27FC236}">
-                <a16:creationId xmlns:a16="http://schemas.microsoft.com/office/drawing/2014/main" id="{A781EA26-83C8-C0A1-B515-94D30B93D4CB}"/>
+                <a16:creationId xmlns:a16="http://schemas.microsoft.com/office/drawing/2014/main" id="{2DFD73E3-BB9B-8B7B-21C9-606849DEBD51}"/>
               </a:ext>
             </a:extLst>
           </p:cNvPr>
@@ -2373,7 +2373,7 @@
           <a:bodyPr/>
           <a:lstStyle/>
           <a:p>
-            <a:fld id="{B04FE94C-4230-49D5-8C72-F5A3FC3483B6}" type="datetimeFigureOut">
+            <a:fld id="{5C06891D-8BFE-4FCF-88E6-85BF1C5FDB41}" type="datetimeFigureOut">
               <a:rPr lang="zh-CN" altLang="en-US" smtClean="0"/>
               <a:t>2024/3/10</a:t>
             </a:fld>
@@ -2386,7 +2386,7 @@
           <p:cNvPr id="6" name="页脚占位符 5">
             <a:extLst>
               <a:ext uri="{FF2B5EF4-FFF2-40B4-BE49-F238E27FC236}">
-                <a16:creationId xmlns:a16="http://schemas.microsoft.com/office/drawing/2014/main" id="{7BDB9B83-8737-8756-7690-6D7DDC57934E}"/>
+                <a16:creationId xmlns:a16="http://schemas.microsoft.com/office/drawing/2014/main" id="{F2623960-3035-4764-B313-77DD759905F1}"/>
               </a:ext>
             </a:extLst>
           </p:cNvPr>
@@ -2411,7 +2411,7 @@
           <p:cNvPr id="7" name="灯片编号占位符 6">
             <a:extLst>
               <a:ext uri="{FF2B5EF4-FFF2-40B4-BE49-F238E27FC236}">
-                <a16:creationId xmlns:a16="http://schemas.microsoft.com/office/drawing/2014/main" id="{BCE0C77B-45D4-09D6-7735-D9D5865505B0}"/>
+                <a16:creationId xmlns:a16="http://schemas.microsoft.com/office/drawing/2014/main" id="{0137E06F-C63B-D39B-3746-78C02170E8B3}"/>
               </a:ext>
             </a:extLst>
           </p:cNvPr>
@@ -2427,7 +2427,7 @@
           <a:bodyPr/>
           <a:lstStyle/>
           <a:p>
-            <a:fld id="{D0911B2B-A12F-4CCE-9CF1-704CC629F0B5}" type="slidenum">
+            <a:fld id="{CFB64CA7-903E-468F-A27F-4C14C486A635}" type="slidenum">
               <a:rPr lang="zh-CN" altLang="en-US" smtClean="0"/>
               <a:t>‹#›</a:t>
             </a:fld>
@@ -2438,7 +2438,7 @@
     </p:spTree>
     <p:extLst>
       <p:ext uri="{BB962C8B-B14F-4D97-AF65-F5344CB8AC3E}">
-        <p14:creationId xmlns:p14="http://schemas.microsoft.com/office/powerpoint/2010/main" val="1178605911"/>
+        <p14:creationId xmlns:p14="http://schemas.microsoft.com/office/powerpoint/2010/main" val="3343896476"/>
       </p:ext>
     </p:extLst>
   </p:cSld>
@@ -2470,7 +2470,7 @@
           <p:cNvPr id="2" name="标题 1">
             <a:extLst>
               <a:ext uri="{FF2B5EF4-FFF2-40B4-BE49-F238E27FC236}">
-                <a16:creationId xmlns:a16="http://schemas.microsoft.com/office/drawing/2014/main" id="{3FED16C7-38A7-4D34-6421-7081EE353919}"/>
+                <a16:creationId xmlns:a16="http://schemas.microsoft.com/office/drawing/2014/main" id="{960A1CF6-5CB6-9E83-F381-838E02A91BFE}"/>
               </a:ext>
             </a:extLst>
           </p:cNvPr>
@@ -2507,7 +2507,7 @@
           <p:cNvPr id="3" name="图片占位符 2">
             <a:extLst>
               <a:ext uri="{FF2B5EF4-FFF2-40B4-BE49-F238E27FC236}">
-                <a16:creationId xmlns:a16="http://schemas.microsoft.com/office/drawing/2014/main" id="{B9D50799-2D57-9B61-4F7C-8113FE9034F7}"/>
+                <a16:creationId xmlns:a16="http://schemas.microsoft.com/office/drawing/2014/main" id="{BCDEE895-3C5D-3D80-284B-E84180E5721A}"/>
               </a:ext>
             </a:extLst>
           </p:cNvPr>
@@ -2574,7 +2574,7 @@
           <p:cNvPr id="4" name="文本占位符 3">
             <a:extLst>
               <a:ext uri="{FF2B5EF4-FFF2-40B4-BE49-F238E27FC236}">
-                <a16:creationId xmlns:a16="http://schemas.microsoft.com/office/drawing/2014/main" id="{FAE84800-A19C-55A0-E486-75BCF8A02213}"/>
+                <a16:creationId xmlns:a16="http://schemas.microsoft.com/office/drawing/2014/main" id="{09C1B9B9-F156-BAC6-FDAD-1735EB4BBE48}"/>
               </a:ext>
             </a:extLst>
           </p:cNvPr>
@@ -2645,7 +2645,7 @@
           <p:cNvPr id="5" name="日期占位符 4">
             <a:extLst>
               <a:ext uri="{FF2B5EF4-FFF2-40B4-BE49-F238E27FC236}">
-                <a16:creationId xmlns:a16="http://schemas.microsoft.com/office/drawing/2014/main" id="{9A23608E-C955-AF22-19F8-FDA6993EA4BB}"/>
+                <a16:creationId xmlns:a16="http://schemas.microsoft.com/office/drawing/2014/main" id="{C84C0E1E-B226-D1FD-711E-E60C42BC6CAD}"/>
               </a:ext>
             </a:extLst>
           </p:cNvPr>
@@ -2661,7 +2661,7 @@
           <a:bodyPr/>
           <a:lstStyle/>
           <a:p>
-            <a:fld id="{B04FE94C-4230-49D5-8C72-F5A3FC3483B6}" type="datetimeFigureOut">
+            <a:fld id="{5C06891D-8BFE-4FCF-88E6-85BF1C5FDB41}" type="datetimeFigureOut">
               <a:rPr lang="zh-CN" altLang="en-US" smtClean="0"/>
               <a:t>2024/3/10</a:t>
             </a:fld>
@@ -2674,7 +2674,7 @@
           <p:cNvPr id="6" name="页脚占位符 5">
             <a:extLst>
               <a:ext uri="{FF2B5EF4-FFF2-40B4-BE49-F238E27FC236}">
-                <a16:creationId xmlns:a16="http://schemas.microsoft.com/office/drawing/2014/main" id="{B13382C0-9D3D-8AA0-C7B8-1B28C76F0FAC}"/>
+                <a16:creationId xmlns:a16="http://schemas.microsoft.com/office/drawing/2014/main" id="{0CD0A07E-409F-E23C-4003-FE403FB099BC}"/>
               </a:ext>
             </a:extLst>
           </p:cNvPr>
@@ -2699,7 +2699,7 @@
           <p:cNvPr id="7" name="灯片编号占位符 6">
             <a:extLst>
               <a:ext uri="{FF2B5EF4-FFF2-40B4-BE49-F238E27FC236}">
-                <a16:creationId xmlns:a16="http://schemas.microsoft.com/office/drawing/2014/main" id="{D1F381DA-2866-8004-B1DF-197B8A47CB40}"/>
+                <a16:creationId xmlns:a16="http://schemas.microsoft.com/office/drawing/2014/main" id="{6754BD71-7A05-59A3-D96E-236425A6D1D8}"/>
               </a:ext>
             </a:extLst>
           </p:cNvPr>
@@ -2715,7 +2715,7 @@
           <a:bodyPr/>
           <a:lstStyle/>
           <a:p>
-            <a:fld id="{D0911B2B-A12F-4CCE-9CF1-704CC629F0B5}" type="slidenum">
+            <a:fld id="{CFB64CA7-903E-468F-A27F-4C14C486A635}" type="slidenum">
               <a:rPr lang="zh-CN" altLang="en-US" smtClean="0"/>
               <a:t>‹#›</a:t>
             </a:fld>
@@ -2726,7 +2726,7 @@
     </p:spTree>
     <p:extLst>
       <p:ext uri="{BB962C8B-B14F-4D97-AF65-F5344CB8AC3E}">
-        <p14:creationId xmlns:p14="http://schemas.microsoft.com/office/powerpoint/2010/main" val="3579717865"/>
+        <p14:creationId xmlns:p14="http://schemas.microsoft.com/office/powerpoint/2010/main" val="128938313"/>
       </p:ext>
     </p:extLst>
   </p:cSld>
@@ -2763,7 +2763,7 @@
           <p:cNvPr id="2" name="标题占位符 1">
             <a:extLst>
               <a:ext uri="{FF2B5EF4-FFF2-40B4-BE49-F238E27FC236}">
-                <a16:creationId xmlns:a16="http://schemas.microsoft.com/office/drawing/2014/main" id="{56502BB2-0087-21C9-97FC-15AAAFFA01F1}"/>
+                <a16:creationId xmlns:a16="http://schemas.microsoft.com/office/drawing/2014/main" id="{4451D7C2-D592-5AF1-0FDA-42F27FFC99CD}"/>
               </a:ext>
             </a:extLst>
           </p:cNvPr>
@@ -2801,7 +2801,7 @@
           <p:cNvPr id="3" name="文本占位符 2">
             <a:extLst>
               <a:ext uri="{FF2B5EF4-FFF2-40B4-BE49-F238E27FC236}">
-                <a16:creationId xmlns:a16="http://schemas.microsoft.com/office/drawing/2014/main" id="{F045AC91-2183-1E5D-810F-C30B45A63AD4}"/>
+                <a16:creationId xmlns:a16="http://schemas.microsoft.com/office/drawing/2014/main" id="{79872B09-5C81-376F-57A6-3E8949EEFE9E}"/>
               </a:ext>
             </a:extLst>
           </p:cNvPr>
@@ -2868,7 +2868,7 @@
           <p:cNvPr id="4" name="日期占位符 3">
             <a:extLst>
               <a:ext uri="{FF2B5EF4-FFF2-40B4-BE49-F238E27FC236}">
-                <a16:creationId xmlns:a16="http://schemas.microsoft.com/office/drawing/2014/main" id="{48DF7247-19CF-A650-C4D4-FD69F1329823}"/>
+                <a16:creationId xmlns:a16="http://schemas.microsoft.com/office/drawing/2014/main" id="{94FED672-72B4-3530-535A-BDABEDA463B1}"/>
               </a:ext>
             </a:extLst>
           </p:cNvPr>
@@ -2902,7 +2902,7 @@
             </a:lvl1pPr>
           </a:lstStyle>
           <a:p>
-            <a:fld id="{B04FE94C-4230-49D5-8C72-F5A3FC3483B6}" type="datetimeFigureOut">
+            <a:fld id="{5C06891D-8BFE-4FCF-88E6-85BF1C5FDB41}" type="datetimeFigureOut">
               <a:rPr lang="zh-CN" altLang="en-US" smtClean="0"/>
               <a:t>2024/3/10</a:t>
             </a:fld>
@@ -2915,7 +2915,7 @@
           <p:cNvPr id="5" name="页脚占位符 4">
             <a:extLst>
               <a:ext uri="{FF2B5EF4-FFF2-40B4-BE49-F238E27FC236}">
-                <a16:creationId xmlns:a16="http://schemas.microsoft.com/office/drawing/2014/main" id="{0127D597-E3C9-EF96-4800-478435F9DB8E}"/>
+                <a16:creationId xmlns:a16="http://schemas.microsoft.com/office/drawing/2014/main" id="{AB9FE591-46E6-5C5A-EC68-A7F33EAC7EAE}"/>
               </a:ext>
             </a:extLst>
           </p:cNvPr>
@@ -2958,7 +2958,7 @@
           <p:cNvPr id="6" name="灯片编号占位符 5">
             <a:extLst>
               <a:ext uri="{FF2B5EF4-FFF2-40B4-BE49-F238E27FC236}">
-                <a16:creationId xmlns:a16="http://schemas.microsoft.com/office/drawing/2014/main" id="{2913273B-ADA1-8670-3FE4-FC3E763920B5}"/>
+                <a16:creationId xmlns:a16="http://schemas.microsoft.com/office/drawing/2014/main" id="{3080069D-B786-5863-FD30-31B177F612A6}"/>
               </a:ext>
             </a:extLst>
           </p:cNvPr>
@@ -2992,7 +2992,7 @@
             </a:lvl1pPr>
           </a:lstStyle>
           <a:p>
-            <a:fld id="{D0911B2B-A12F-4CCE-9CF1-704CC629F0B5}" type="slidenum">
+            <a:fld id="{CFB64CA7-903E-468F-A27F-4C14C486A635}" type="slidenum">
               <a:rPr lang="zh-CN" altLang="en-US" smtClean="0"/>
               <a:t>‹#›</a:t>
             </a:fld>
@@ -3003,7 +3003,7 @@
     </p:spTree>
     <p:extLst>
       <p:ext uri="{BB962C8B-B14F-4D97-AF65-F5344CB8AC3E}">
-        <p14:creationId xmlns:p14="http://schemas.microsoft.com/office/powerpoint/2010/main" val="2409909184"/>
+        <p14:creationId xmlns:p14="http://schemas.microsoft.com/office/powerpoint/2010/main" val="2051911158"/>
       </p:ext>
     </p:extLst>
   </p:cSld>
@@ -3323,7 +3323,7 @@
       </p:grpSpPr>
       <p:pic>
         <p:nvPicPr>
-          <p:cNvPr id="292866" name="Picture 2" descr="285"/>
+          <p:cNvPr id="293890" name="Picture 2" descr="286"/>
           <p:cNvPicPr>
             <a:picLocks noChangeAspect="1" noChangeArrowheads="1"/>
           </p:cNvPicPr>
@@ -3375,11 +3375,158 @@
           </a:extLst>
         </p:spPr>
       </p:pic>
+      <p:pic>
+        <p:nvPicPr>
+          <p:cNvPr id="294915" name="Picture 3" descr="286-2"/>
+          <p:cNvPicPr>
+            <a:picLocks noChangeAspect="1" noChangeArrowheads="1"/>
+          </p:cNvPicPr>
+          <p:nvPr/>
+        </p:nvPicPr>
+        <p:blipFill>
+          <a:blip r:embed="rId3">
+            <a:extLst>
+              <a:ext uri="{28A0092B-C50C-407E-A947-70E740481C1C}">
+                <a14:useLocalDpi xmlns:a14="http://schemas.microsoft.com/office/drawing/2010/main" val="0"/>
+              </a:ext>
+            </a:extLst>
+          </a:blip>
+          <a:srcRect/>
+          <a:stretch>
+            <a:fillRect/>
+          </a:stretch>
+        </p:blipFill>
+        <p:spPr bwMode="auto">
+          <a:xfrm>
+            <a:off x="1524000" y="44450"/>
+            <a:ext cx="9144000" cy="6858000"/>
+          </a:xfrm>
+          <a:prstGeom prst="rect">
+            <a:avLst/>
+          </a:prstGeom>
+          <a:noFill/>
+          <a:ln>
+            <a:noFill/>
+          </a:ln>
+          <a:effectLst/>
+          <a:extLst>
+            <a:ext uri="{909E8E84-426E-40DD-AFC4-6F175D3DCCD1}">
+              <a14:hiddenFill xmlns:a14="http://schemas.microsoft.com/office/drawing/2010/main">
+                <a:solidFill>
+                  <a:srgbClr val="FFFFFF"/>
+                </a:solidFill>
+              </a14:hiddenFill>
+            </a:ext>
+            <a:ext uri="{91240B29-F687-4F45-9708-019B960494DF}">
+              <a14:hiddenLine xmlns:a14="http://schemas.microsoft.com/office/drawing/2010/main" w="9525">
+                <a:solidFill>
+                  <a:srgbClr val="000000"/>
+                </a:solidFill>
+                <a:miter lim="800000"/>
+                <a:headEnd/>
+                <a:tailEnd/>
+              </a14:hiddenLine>
+            </a:ext>
+            <a:ext uri="{AF507438-7753-43E0-B8FC-AC1667EBCBE1}">
+              <a14:hiddenEffects xmlns:a14="http://schemas.microsoft.com/office/drawing/2010/main">
+                <a:effectLst>
+                  <a:outerShdw dist="35921" dir="2700000" algn="ctr" rotWithShape="0">
+                    <a:srgbClr val="808080"/>
+                  </a:outerShdw>
+                </a:effectLst>
+              </a14:hiddenEffects>
+            </a:ext>
+          </a:extLst>
+        </p:spPr>
+      </p:pic>
     </p:spTree>
   </p:cSld>
   <p:clrMapOvr>
     <a:masterClrMapping/>
   </p:clrMapOvr>
+  <p:timing>
+    <p:tnLst>
+      <p:par>
+        <p:cTn id="1" dur="indefinite" restart="never" nodeType="tmRoot">
+          <p:childTnLst>
+            <p:seq concurrent="1" nextAc="seek">
+              <p:cTn id="2" dur="indefinite" nodeType="mainSeq">
+                <p:childTnLst>
+                  <p:par>
+                    <p:cTn id="3" fill="hold" nodeType="clickPar">
+                      <p:stCondLst>
+                        <p:cond delay="indefinite"/>
+                      </p:stCondLst>
+                      <p:childTnLst>
+                        <p:par>
+                          <p:cTn id="4" fill="hold" nodeType="withGroup">
+                            <p:stCondLst>
+                              <p:cond delay="0"/>
+                            </p:stCondLst>
+                            <p:childTnLst>
+                              <p:par>
+                                <p:cTn id="5" presetID="10" presetClass="entr" presetSubtype="0" fill="hold" nodeType="clickEffect">
+                                  <p:stCondLst>
+                                    <p:cond delay="0"/>
+                                  </p:stCondLst>
+                                  <p:childTnLst>
+                                    <p:set>
+                                      <p:cBhvr>
+                                        <p:cTn id="6" dur="1" fill="hold">
+                                          <p:stCondLst>
+                                            <p:cond delay="0"/>
+                                          </p:stCondLst>
+                                        </p:cTn>
+                                        <p:tgtEl>
+                                          <p:spTgt spid="294915"/>
+                                        </p:tgtEl>
+                                        <p:attrNameLst>
+                                          <p:attrName>style.visibility</p:attrName>
+                                        </p:attrNameLst>
+                                      </p:cBhvr>
+                                      <p:to>
+                                        <p:strVal val="visible"/>
+                                      </p:to>
+                                    </p:set>
+                                    <p:animEffect transition="in" filter="fade">
+                                      <p:cBhvr>
+                                        <p:cTn id="7" dur="500"/>
+                                        <p:tgtEl>
+                                          <p:spTgt spid="294915"/>
+                                        </p:tgtEl>
+                                      </p:cBhvr>
+                                    </p:animEffect>
+                                  </p:childTnLst>
+                                </p:cTn>
+                              </p:par>
+                            </p:childTnLst>
+                          </p:cTn>
+                        </p:par>
+                      </p:childTnLst>
+                    </p:cTn>
+                  </p:par>
+                </p:childTnLst>
+              </p:cTn>
+              <p:prevCondLst>
+                <p:cond evt="onPrev" delay="0">
+                  <p:tgtEl>
+                    <p:sldTgt/>
+                  </p:tgtEl>
+                </p:cond>
+              </p:prevCondLst>
+              <p:nextCondLst>
+                <p:cond evt="onNext" delay="0">
+                  <p:tgtEl>
+                    <p:sldTgt/>
+                  </p:tgtEl>
+                </p:cond>
+              </p:nextCondLst>
+            </p:seq>
+          </p:childTnLst>
+        </p:cTn>
+      </p:par>
+    </p:tnLst>
+  </p:timing>
 </p:sld>
 </file>
 
